--- a/MiaMiaMiaMia.pptx
+++ b/MiaMiaMiaMia.pptx
@@ -216,7 +216,7 @@
           <a:p>
             <a:fld id="{582A3D24-6083-4546-8C6D-DEE86BAAAE49}" type="datetimeFigureOut">
               <a:rPr lang="zh-CN" altLang="en-US" smtClean="0"/>
-              <a:t>2023/7/5</a:t>
+              <a:t>2023/7/6</a:t>
             </a:fld>
             <a:endParaRPr lang="zh-CN" altLang="en-US"/>
           </a:p>
@@ -5254,10 +5254,10 @@
       </p:grpSpPr>
       <p:pic>
         <p:nvPicPr>
-          <p:cNvPr id="3" name="图片 2">
+          <p:cNvPr id="4" name="图片 3">
             <a:extLst>
               <a:ext uri="{FF2B5EF4-FFF2-40B4-BE49-F238E27FC236}">
-                <a16:creationId xmlns:a16="http://schemas.microsoft.com/office/drawing/2014/main" id="{829E4EA9-F179-905D-A50C-C1100C59ED76}"/>
+                <a16:creationId xmlns:a16="http://schemas.microsoft.com/office/drawing/2014/main" id="{5BE4AD34-DD39-C903-C198-2417AE6C6425}"/>
               </a:ext>
             </a:extLst>
           </p:cNvPr>
@@ -5274,8 +5274,8 @@
         </p:blipFill>
         <p:spPr>
           <a:xfrm>
-            <a:off x="0" y="0"/>
-            <a:ext cx="12192000" cy="6858000"/>
+            <a:off x="-117986" y="-52029"/>
+            <a:ext cx="12408310" cy="7005484"/>
           </a:xfrm>
           <a:prstGeom prst="rect">
             <a:avLst/>
